--- a/cw ismir2015/cw_ismir2015_plots.pptx
+++ b/cw ismir2015/cw_ismir2015_plots.pptx
@@ -295,7 +295,7 @@
           <a:p>
             <a:fld id="{8A0EEBEE-491D-0547-AD30-3CFBCD2A91CE}" type="datetimeFigureOut">
               <a:rPr kumimoji="1" lang="zh-TW" altLang="en-US" smtClean="0"/>
-              <a:t>4/11/15</a:t>
+              <a:t>4/22/15</a:t>
             </a:fld>
             <a:endParaRPr kumimoji="1" lang="zh-TW" altLang="en-US"/>
           </a:p>
@@ -465,7 +465,7 @@
           <a:p>
             <a:fld id="{8A0EEBEE-491D-0547-AD30-3CFBCD2A91CE}" type="datetimeFigureOut">
               <a:rPr kumimoji="1" lang="zh-TW" altLang="en-US" smtClean="0"/>
-              <a:t>4/11/15</a:t>
+              <a:t>4/22/15</a:t>
             </a:fld>
             <a:endParaRPr kumimoji="1" lang="zh-TW" altLang="en-US"/>
           </a:p>
@@ -645,7 +645,7 @@
           <a:p>
             <a:fld id="{8A0EEBEE-491D-0547-AD30-3CFBCD2A91CE}" type="datetimeFigureOut">
               <a:rPr kumimoji="1" lang="zh-TW" altLang="en-US" smtClean="0"/>
-              <a:t>4/11/15</a:t>
+              <a:t>4/22/15</a:t>
             </a:fld>
             <a:endParaRPr kumimoji="1" lang="zh-TW" altLang="en-US"/>
           </a:p>
@@ -815,7 +815,7 @@
           <a:p>
             <a:fld id="{8A0EEBEE-491D-0547-AD30-3CFBCD2A91CE}" type="datetimeFigureOut">
               <a:rPr kumimoji="1" lang="zh-TW" altLang="en-US" smtClean="0"/>
-              <a:t>4/11/15</a:t>
+              <a:t>4/22/15</a:t>
             </a:fld>
             <a:endParaRPr kumimoji="1" lang="zh-TW" altLang="en-US"/>
           </a:p>
@@ -1061,7 +1061,7 @@
           <a:p>
             <a:fld id="{8A0EEBEE-491D-0547-AD30-3CFBCD2A91CE}" type="datetimeFigureOut">
               <a:rPr kumimoji="1" lang="zh-TW" altLang="en-US" smtClean="0"/>
-              <a:t>4/11/15</a:t>
+              <a:t>4/22/15</a:t>
             </a:fld>
             <a:endParaRPr kumimoji="1" lang="zh-TW" altLang="en-US"/>
           </a:p>
@@ -1349,7 +1349,7 @@
           <a:p>
             <a:fld id="{8A0EEBEE-491D-0547-AD30-3CFBCD2A91CE}" type="datetimeFigureOut">
               <a:rPr kumimoji="1" lang="zh-TW" altLang="en-US" smtClean="0"/>
-              <a:t>4/11/15</a:t>
+              <a:t>4/22/15</a:t>
             </a:fld>
             <a:endParaRPr kumimoji="1" lang="zh-TW" altLang="en-US"/>
           </a:p>
@@ -1771,7 +1771,7 @@
           <a:p>
             <a:fld id="{8A0EEBEE-491D-0547-AD30-3CFBCD2A91CE}" type="datetimeFigureOut">
               <a:rPr kumimoji="1" lang="zh-TW" altLang="en-US" smtClean="0"/>
-              <a:t>4/11/15</a:t>
+              <a:t>4/22/15</a:t>
             </a:fld>
             <a:endParaRPr kumimoji="1" lang="zh-TW" altLang="en-US"/>
           </a:p>
@@ -1889,7 +1889,7 @@
           <a:p>
             <a:fld id="{8A0EEBEE-491D-0547-AD30-3CFBCD2A91CE}" type="datetimeFigureOut">
               <a:rPr kumimoji="1" lang="zh-TW" altLang="en-US" smtClean="0"/>
-              <a:t>4/11/15</a:t>
+              <a:t>4/22/15</a:t>
             </a:fld>
             <a:endParaRPr kumimoji="1" lang="zh-TW" altLang="en-US"/>
           </a:p>
@@ -1984,7 +1984,7 @@
           <a:p>
             <a:fld id="{8A0EEBEE-491D-0547-AD30-3CFBCD2A91CE}" type="datetimeFigureOut">
               <a:rPr kumimoji="1" lang="zh-TW" altLang="en-US" smtClean="0"/>
-              <a:t>4/11/15</a:t>
+              <a:t>4/22/15</a:t>
             </a:fld>
             <a:endParaRPr kumimoji="1" lang="zh-TW" altLang="en-US"/>
           </a:p>
@@ -2261,7 +2261,7 @@
           <a:p>
             <a:fld id="{8A0EEBEE-491D-0547-AD30-3CFBCD2A91CE}" type="datetimeFigureOut">
               <a:rPr kumimoji="1" lang="zh-TW" altLang="en-US" smtClean="0"/>
-              <a:t>4/11/15</a:t>
+              <a:t>4/22/15</a:t>
             </a:fld>
             <a:endParaRPr kumimoji="1" lang="zh-TW" altLang="en-US"/>
           </a:p>
@@ -2514,7 +2514,7 @@
           <a:p>
             <a:fld id="{8A0EEBEE-491D-0547-AD30-3CFBCD2A91CE}" type="datetimeFigureOut">
               <a:rPr kumimoji="1" lang="zh-TW" altLang="en-US" smtClean="0"/>
-              <a:t>4/11/15</a:t>
+              <a:t>4/22/15</a:t>
             </a:fld>
             <a:endParaRPr kumimoji="1" lang="zh-TW" altLang="en-US"/>
           </a:p>
@@ -2727,7 +2727,7 @@
           <a:p>
             <a:fld id="{8A0EEBEE-491D-0547-AD30-3CFBCD2A91CE}" type="datetimeFigureOut">
               <a:rPr kumimoji="1" lang="zh-TW" altLang="en-US" smtClean="0"/>
-              <a:t>4/11/15</a:t>
+              <a:t>4/22/15</a:t>
             </a:fld>
             <a:endParaRPr kumimoji="1" lang="zh-TW" altLang="en-US"/>
           </a:p>
@@ -3840,6 +3840,13 @@
   <p:clrMapOvr>
     <a:masterClrMapping/>
   </p:clrMapOvr>
+  <p:timing>
+    <p:tnLst>
+      <p:par>
+        <p:cTn xmlns:p14="http://schemas.microsoft.com/office/powerpoint/2010/main" id="1" dur="indefinite" restart="never" nodeType="tmRoot"/>
+      </p:par>
+    </p:tnLst>
+  </p:timing>
 </p:sld>
 </file>
 
@@ -5764,6 +5771,13 @@
   <p:clrMapOvr>
     <a:masterClrMapping/>
   </p:clrMapOvr>
+  <p:timing>
+    <p:tnLst>
+      <p:par>
+        <p:cTn xmlns:p14="http://schemas.microsoft.com/office/powerpoint/2010/main" id="1" dur="indefinite" restart="never" nodeType="tmRoot"/>
+      </p:par>
+    </p:tnLst>
+  </p:timing>
 </p:sld>
 </file>
 
@@ -6372,6 +6386,979 @@
           <a:chExt cx="0" cy="0"/>
         </a:xfrm>
       </p:grpSpPr>
+      <p:sp>
+        <p:nvSpPr>
+          <p:cNvPr id="2" name="矩形 1"/>
+          <p:cNvSpPr/>
+          <p:nvPr/>
+        </p:nvSpPr>
+        <p:spPr>
+          <a:xfrm>
+            <a:off x="251817" y="3038194"/>
+            <a:ext cx="2160000" cy="1440000"/>
+          </a:xfrm>
+          <a:prstGeom prst="rect">
+            <a:avLst/>
+          </a:prstGeom>
+          <a:noFill/>
+          <a:ln>
+            <a:solidFill>
+              <a:schemeClr val="tx1"/>
+            </a:solidFill>
+          </a:ln>
+          <a:effectLst/>
+        </p:spPr>
+        <p:style>
+          <a:lnRef idx="1">
+            <a:schemeClr val="accent1"/>
+          </a:lnRef>
+          <a:fillRef idx="3">
+            <a:schemeClr val="accent1"/>
+          </a:fillRef>
+          <a:effectRef idx="2">
+            <a:schemeClr val="accent1"/>
+          </a:effectRef>
+          <a:fontRef idx="minor">
+            <a:schemeClr val="lt1"/>
+          </a:fontRef>
+        </p:style>
+        <p:txBody>
+          <a:bodyPr rtlCol="0" anchor="ctr"/>
+          <a:lstStyle/>
+          <a:p>
+            <a:pPr algn="ctr"/>
+            <a:endParaRPr kumimoji="1" lang="zh-TW" altLang="en-US" sz="1400" i="1"/>
+          </a:p>
+        </p:txBody>
+      </p:sp>
+      <p:sp>
+        <p:nvSpPr>
+          <p:cNvPr id="3" name="文字方塊 2"/>
+          <p:cNvSpPr txBox="1"/>
+          <p:nvPr/>
+        </p:nvSpPr>
+        <p:spPr>
+          <a:xfrm>
+            <a:off x="1083896" y="3569693"/>
+            <a:ext cx="427046" cy="400110"/>
+          </a:xfrm>
+          <a:prstGeom prst="rect">
+            <a:avLst/>
+          </a:prstGeom>
+          <a:noFill/>
+        </p:spPr>
+        <p:txBody>
+          <a:bodyPr wrap="none" rtlCol="0">
+            <a:spAutoFit/>
+          </a:bodyPr>
+          <a:lstStyle/>
+          <a:p>
+            <a:r>
+              <a:rPr kumimoji="1" lang="en-US" altLang="zh-TW" sz="2000" i="1" dirty="0">
+                <a:latin typeface="Arial"/>
+                <a:cs typeface="Arial"/>
+              </a:rPr>
+              <a:t>V</a:t>
+            </a:r>
+            <a:endParaRPr kumimoji="1" lang="zh-TW" altLang="en-US" sz="2000" i="1" dirty="0">
+              <a:latin typeface="Arial"/>
+              <a:cs typeface="Arial"/>
+            </a:endParaRPr>
+          </a:p>
+        </p:txBody>
+      </p:sp>
+      <p:sp>
+        <p:nvSpPr>
+          <p:cNvPr id="4" name="文字方塊 3"/>
+          <p:cNvSpPr txBox="1"/>
+          <p:nvPr/>
+        </p:nvSpPr>
+        <p:spPr>
+          <a:xfrm>
+            <a:off x="2462152" y="3556662"/>
+            <a:ext cx="473596" cy="400110"/>
+          </a:xfrm>
+          <a:prstGeom prst="rect">
+            <a:avLst/>
+          </a:prstGeom>
+          <a:noFill/>
+        </p:spPr>
+        <p:txBody>
+          <a:bodyPr wrap="square" rtlCol="0">
+            <a:spAutoFit/>
+          </a:bodyPr>
+          <a:lstStyle/>
+          <a:p>
+            <a:r>
+              <a:rPr kumimoji="1" lang="en-US" altLang="zh-TW" sz="2000" dirty="0" smtClean="0"/>
+              <a:t>=</a:t>
+            </a:r>
+            <a:endParaRPr kumimoji="1" lang="zh-TW" altLang="en-US" sz="2000" dirty="0"/>
+          </a:p>
+        </p:txBody>
+      </p:sp>
+      <p:sp>
+        <p:nvSpPr>
+          <p:cNvPr id="5" name="文字方塊 4"/>
+          <p:cNvSpPr txBox="1"/>
+          <p:nvPr/>
+        </p:nvSpPr>
+        <p:spPr>
+          <a:xfrm>
+            <a:off x="2827589" y="3556662"/>
+            <a:ext cx="556996" cy="400110"/>
+          </a:xfrm>
+          <a:prstGeom prst="rect">
+            <a:avLst/>
+          </a:prstGeom>
+          <a:noFill/>
+        </p:spPr>
+        <p:txBody>
+          <a:bodyPr wrap="none" rtlCol="0">
+            <a:spAutoFit/>
+          </a:bodyPr>
+          <a:lstStyle/>
+          <a:p>
+            <a:r>
+              <a:rPr kumimoji="1" lang="en-US" altLang="zh-TW" sz="2000" i="1" dirty="0" smtClean="0">
+                <a:latin typeface="Arial"/>
+                <a:cs typeface="Arial"/>
+              </a:rPr>
+              <a:t>W</a:t>
+            </a:r>
+            <a:r>
+              <a:rPr kumimoji="1" lang="en-US" altLang="zh-TW" sz="1400" i="1" baseline="-25000" dirty="0" smtClean="0">
+                <a:latin typeface="Arial"/>
+                <a:cs typeface="Arial"/>
+              </a:rPr>
+              <a:t>D</a:t>
+            </a:r>
+            <a:endParaRPr kumimoji="1" lang="zh-TW" altLang="en-US" sz="1400" i="1" baseline="-25000" dirty="0">
+              <a:latin typeface="Arial"/>
+              <a:cs typeface="Arial"/>
+            </a:endParaRPr>
+          </a:p>
+        </p:txBody>
+      </p:sp>
+      <p:sp>
+        <p:nvSpPr>
+          <p:cNvPr id="16" name="矩形 15"/>
+          <p:cNvSpPr/>
+          <p:nvPr/>
+        </p:nvSpPr>
+        <p:spPr>
+          <a:xfrm rot="5400000">
+            <a:off x="2376544" y="3480661"/>
+            <a:ext cx="1440000" cy="540000"/>
+          </a:xfrm>
+          <a:prstGeom prst="rect">
+            <a:avLst/>
+          </a:prstGeom>
+          <a:noFill/>
+          <a:ln>
+            <a:solidFill>
+              <a:schemeClr val="tx1"/>
+            </a:solidFill>
+          </a:ln>
+          <a:effectLst/>
+        </p:spPr>
+        <p:style>
+          <a:lnRef idx="1">
+            <a:schemeClr val="accent1"/>
+          </a:lnRef>
+          <a:fillRef idx="3">
+            <a:schemeClr val="accent1"/>
+          </a:fillRef>
+          <a:effectRef idx="2">
+            <a:schemeClr val="accent1"/>
+          </a:effectRef>
+          <a:fontRef idx="minor">
+            <a:schemeClr val="lt1"/>
+          </a:fontRef>
+        </p:style>
+        <p:txBody>
+          <a:bodyPr rtlCol="0" anchor="ctr"/>
+          <a:lstStyle/>
+          <a:p>
+            <a:pPr algn="ctr"/>
+            <a:endParaRPr kumimoji="1" lang="zh-TW" altLang="en-US" sz="2000" i="1"/>
+          </a:p>
+        </p:txBody>
+      </p:sp>
+      <p:sp>
+        <p:nvSpPr>
+          <p:cNvPr id="18" name="矩形 17"/>
+          <p:cNvSpPr/>
+          <p:nvPr/>
+        </p:nvSpPr>
+        <p:spPr>
+          <a:xfrm>
+            <a:off x="4302605" y="3226165"/>
+            <a:ext cx="1080000" cy="1080000"/>
+          </a:xfrm>
+          <a:prstGeom prst="rect">
+            <a:avLst/>
+          </a:prstGeom>
+          <a:noFill/>
+          <a:ln>
+            <a:solidFill>
+              <a:schemeClr val="tx1"/>
+            </a:solidFill>
+          </a:ln>
+          <a:effectLst/>
+        </p:spPr>
+        <p:style>
+          <a:lnRef idx="1">
+            <a:schemeClr val="accent1"/>
+          </a:lnRef>
+          <a:fillRef idx="3">
+            <a:schemeClr val="accent1"/>
+          </a:fillRef>
+          <a:effectRef idx="2">
+            <a:schemeClr val="accent1"/>
+          </a:effectRef>
+          <a:fontRef idx="minor">
+            <a:schemeClr val="lt1"/>
+          </a:fontRef>
+        </p:style>
+        <p:txBody>
+          <a:bodyPr rtlCol="0" anchor="ctr"/>
+          <a:lstStyle/>
+          <a:p>
+            <a:pPr algn="ctr"/>
+            <a:endParaRPr kumimoji="1" lang="zh-TW" altLang="en-US" sz="2000" i="1"/>
+          </a:p>
+        </p:txBody>
+      </p:sp>
+      <p:sp>
+        <p:nvSpPr>
+          <p:cNvPr id="20" name="文字方塊 19"/>
+          <p:cNvSpPr txBox="1"/>
+          <p:nvPr/>
+        </p:nvSpPr>
+        <p:spPr>
+          <a:xfrm>
+            <a:off x="4651985" y="3551110"/>
+            <a:ext cx="309481" cy="400110"/>
+          </a:xfrm>
+          <a:prstGeom prst="rect">
+            <a:avLst/>
+          </a:prstGeom>
+          <a:noFill/>
+        </p:spPr>
+        <p:txBody>
+          <a:bodyPr wrap="square" rtlCol="0">
+            <a:spAutoFit/>
+          </a:bodyPr>
+          <a:lstStyle/>
+          <a:p>
+            <a:r>
+              <a:rPr kumimoji="1" lang="en-US" altLang="zh-TW" sz="2000" i="1" dirty="0" smtClean="0">
+                <a:latin typeface="Arial"/>
+                <a:cs typeface="Arial"/>
+              </a:rPr>
+              <a:t>A</a:t>
+            </a:r>
+            <a:endParaRPr kumimoji="1" lang="zh-TW" altLang="en-US" sz="2000" i="1" dirty="0">
+              <a:latin typeface="Arial"/>
+              <a:cs typeface="Arial"/>
+            </a:endParaRPr>
+          </a:p>
+        </p:txBody>
+      </p:sp>
+      <p:sp>
+        <p:nvSpPr>
+          <p:cNvPr id="21" name="文字方塊 20"/>
+          <p:cNvSpPr txBox="1"/>
+          <p:nvPr/>
+        </p:nvSpPr>
+        <p:spPr>
+          <a:xfrm>
+            <a:off x="3367590" y="3564195"/>
+            <a:ext cx="556996" cy="400110"/>
+          </a:xfrm>
+          <a:prstGeom prst="rect">
+            <a:avLst/>
+          </a:prstGeom>
+          <a:noFill/>
+        </p:spPr>
+        <p:txBody>
+          <a:bodyPr wrap="none" rtlCol="0">
+            <a:spAutoFit/>
+          </a:bodyPr>
+          <a:lstStyle/>
+          <a:p>
+            <a:r>
+              <a:rPr kumimoji="1" lang="en-US" altLang="zh-TW" sz="2000" i="1" dirty="0" smtClean="0">
+                <a:latin typeface="Arial"/>
+                <a:cs typeface="Arial"/>
+              </a:rPr>
+              <a:t>W</a:t>
+            </a:r>
+            <a:r>
+              <a:rPr kumimoji="1" lang="en-US" altLang="zh-TW" sz="1400" i="1" baseline="-25000" dirty="0">
+                <a:latin typeface="Arial"/>
+                <a:cs typeface="Arial"/>
+              </a:rPr>
+              <a:t>H</a:t>
+            </a:r>
+            <a:endParaRPr kumimoji="1" lang="zh-TW" altLang="en-US" sz="1400" i="1" baseline="-25000" dirty="0">
+              <a:latin typeface="Arial"/>
+              <a:cs typeface="Arial"/>
+            </a:endParaRPr>
+          </a:p>
+        </p:txBody>
+      </p:sp>
+      <p:sp>
+        <p:nvSpPr>
+          <p:cNvPr id="22" name="矩形 21"/>
+          <p:cNvSpPr/>
+          <p:nvPr/>
+        </p:nvSpPr>
+        <p:spPr>
+          <a:xfrm rot="5400000">
+            <a:off x="2918328" y="3479727"/>
+            <a:ext cx="1440000" cy="540000"/>
+          </a:xfrm>
+          <a:prstGeom prst="rect">
+            <a:avLst/>
+          </a:prstGeom>
+          <a:noFill/>
+          <a:ln>
+            <a:solidFill>
+              <a:schemeClr val="tx1"/>
+            </a:solidFill>
+          </a:ln>
+          <a:effectLst/>
+        </p:spPr>
+        <p:style>
+          <a:lnRef idx="1">
+            <a:schemeClr val="accent1"/>
+          </a:lnRef>
+          <a:fillRef idx="3">
+            <a:schemeClr val="accent1"/>
+          </a:fillRef>
+          <a:effectRef idx="2">
+            <a:schemeClr val="accent1"/>
+          </a:effectRef>
+          <a:fontRef idx="minor">
+            <a:schemeClr val="lt1"/>
+          </a:fontRef>
+        </p:style>
+        <p:txBody>
+          <a:bodyPr rtlCol="0" anchor="ctr"/>
+          <a:lstStyle/>
+          <a:p>
+            <a:pPr algn="ctr"/>
+            <a:endParaRPr kumimoji="1" lang="zh-TW" altLang="en-US" sz="2000" i="1"/>
+          </a:p>
+        </p:txBody>
+      </p:sp>
+      <p:sp>
+        <p:nvSpPr>
+          <p:cNvPr id="23" name="文字方塊 22"/>
+          <p:cNvSpPr txBox="1"/>
+          <p:nvPr/>
+        </p:nvSpPr>
+        <p:spPr>
+          <a:xfrm>
+            <a:off x="956731" y="4464906"/>
+            <a:ext cx="638679" cy="307777"/>
+          </a:xfrm>
+          <a:prstGeom prst="rect">
+            <a:avLst/>
+          </a:prstGeom>
+          <a:noFill/>
+        </p:spPr>
+        <p:txBody>
+          <a:bodyPr wrap="none" rtlCol="0">
+            <a:spAutoFit/>
+          </a:bodyPr>
+          <a:lstStyle/>
+          <a:p>
+            <a:r>
+              <a:rPr kumimoji="1" lang="en-US" altLang="zh-TW" sz="1400" dirty="0" smtClean="0">
+                <a:latin typeface="Arial"/>
+                <a:cs typeface="Arial"/>
+              </a:rPr>
+              <a:t>m × n</a:t>
+            </a:r>
+            <a:endParaRPr kumimoji="1" lang="zh-TW" altLang="en-US" sz="1400" dirty="0">
+              <a:latin typeface="Arial"/>
+              <a:cs typeface="Arial"/>
+            </a:endParaRPr>
+          </a:p>
+        </p:txBody>
+      </p:sp>
+      <p:sp>
+        <p:nvSpPr>
+          <p:cNvPr id="24" name="文字方塊 23"/>
+          <p:cNvSpPr txBox="1"/>
+          <p:nvPr/>
+        </p:nvSpPr>
+        <p:spPr>
+          <a:xfrm>
+            <a:off x="3968431" y="3612276"/>
+            <a:ext cx="266807" cy="307777"/>
+          </a:xfrm>
+          <a:prstGeom prst="rect">
+            <a:avLst/>
+          </a:prstGeom>
+          <a:noFill/>
+        </p:spPr>
+        <p:txBody>
+          <a:bodyPr wrap="none" rtlCol="0">
+            <a:spAutoFit/>
+          </a:bodyPr>
+          <a:lstStyle/>
+          <a:p>
+            <a:r>
+              <a:rPr kumimoji="1" lang="en-US" altLang="zh-TW" sz="1400" dirty="0" smtClean="0">
+                <a:latin typeface="Arial"/>
+                <a:ea typeface="Wingdings"/>
+                <a:cs typeface="Arial"/>
+                <a:sym typeface="Wingdings"/>
+              </a:rPr>
+              <a:t></a:t>
+            </a:r>
+            <a:endParaRPr kumimoji="1" lang="zh-TW" altLang="en-US" sz="1400" dirty="0">
+              <a:latin typeface="Arial"/>
+              <a:cs typeface="Arial"/>
+            </a:endParaRPr>
+          </a:p>
+        </p:txBody>
+      </p:sp>
+      <p:sp>
+        <p:nvSpPr>
+          <p:cNvPr id="26" name="文字方塊 25"/>
+          <p:cNvSpPr txBox="1"/>
+          <p:nvPr/>
+        </p:nvSpPr>
+        <p:spPr>
+          <a:xfrm>
+            <a:off x="5448272" y="3620819"/>
+            <a:ext cx="266807" cy="307777"/>
+          </a:xfrm>
+          <a:prstGeom prst="rect">
+            <a:avLst/>
+          </a:prstGeom>
+          <a:noFill/>
+        </p:spPr>
+        <p:txBody>
+          <a:bodyPr wrap="none" rtlCol="0">
+            <a:spAutoFit/>
+          </a:bodyPr>
+          <a:lstStyle/>
+          <a:p>
+            <a:r>
+              <a:rPr kumimoji="1" lang="en-US" altLang="zh-TW" sz="1400" dirty="0" smtClean="0">
+                <a:latin typeface="Arial"/>
+                <a:ea typeface="Wingdings"/>
+                <a:cs typeface="Arial"/>
+                <a:sym typeface="Wingdings"/>
+              </a:rPr>
+              <a:t></a:t>
+            </a:r>
+            <a:endParaRPr kumimoji="1" lang="zh-TW" altLang="en-US" sz="1400" dirty="0">
+              <a:latin typeface="Arial"/>
+              <a:cs typeface="Arial"/>
+            </a:endParaRPr>
+          </a:p>
+        </p:txBody>
+      </p:sp>
+      <p:grpSp>
+        <p:nvGrpSpPr>
+          <p:cNvPr id="30" name="群組 29"/>
+          <p:cNvGrpSpPr/>
+          <p:nvPr/>
+        </p:nvGrpSpPr>
+        <p:grpSpPr>
+          <a:xfrm>
+            <a:off x="5789122" y="3226165"/>
+            <a:ext cx="2160000" cy="1083583"/>
+            <a:chOff x="5259456" y="3253738"/>
+            <a:chExt cx="2160000" cy="1083583"/>
+          </a:xfrm>
+        </p:grpSpPr>
+        <p:sp>
+          <p:nvSpPr>
+            <p:cNvPr id="8" name="矩形 7"/>
+            <p:cNvSpPr/>
+            <p:nvPr/>
+          </p:nvSpPr>
+          <p:spPr>
+            <a:xfrm>
+              <a:off x="5259456" y="3253738"/>
+              <a:ext cx="2160000" cy="540000"/>
+            </a:xfrm>
+            <a:prstGeom prst="rect">
+              <a:avLst/>
+            </a:prstGeom>
+            <a:noFill/>
+            <a:ln>
+              <a:solidFill>
+                <a:schemeClr val="tx1"/>
+              </a:solidFill>
+            </a:ln>
+            <a:effectLst/>
+          </p:spPr>
+          <p:style>
+            <a:lnRef idx="1">
+              <a:schemeClr val="accent1"/>
+            </a:lnRef>
+            <a:fillRef idx="3">
+              <a:schemeClr val="accent1"/>
+            </a:fillRef>
+            <a:effectRef idx="2">
+              <a:schemeClr val="accent1"/>
+            </a:effectRef>
+            <a:fontRef idx="minor">
+              <a:schemeClr val="lt1"/>
+            </a:fontRef>
+          </p:style>
+          <p:txBody>
+            <a:bodyPr rtlCol="0" anchor="ctr"/>
+            <a:lstStyle/>
+            <a:p>
+              <a:pPr algn="ctr"/>
+              <a:endParaRPr kumimoji="1" lang="zh-TW" altLang="en-US" sz="2000" i="1"/>
+            </a:p>
+          </p:txBody>
+        </p:sp>
+        <p:sp>
+          <p:nvSpPr>
+            <p:cNvPr id="9" name="文字方塊 8"/>
+            <p:cNvSpPr txBox="1"/>
+            <p:nvPr/>
+          </p:nvSpPr>
+          <p:spPr>
+            <a:xfrm>
+              <a:off x="6042794" y="3306390"/>
+              <a:ext cx="518609" cy="400110"/>
+            </a:xfrm>
+            <a:prstGeom prst="rect">
+              <a:avLst/>
+            </a:prstGeom>
+            <a:noFill/>
+          </p:spPr>
+          <p:txBody>
+            <a:bodyPr wrap="square" rtlCol="0">
+              <a:spAutoFit/>
+            </a:bodyPr>
+            <a:lstStyle/>
+            <a:p>
+              <a:r>
+                <a:rPr kumimoji="1" lang="en-US" altLang="zh-TW" sz="2000" i="1" dirty="0" smtClean="0">
+                  <a:latin typeface="Arial"/>
+                  <a:cs typeface="Arial"/>
+                </a:rPr>
+                <a:t>H</a:t>
+              </a:r>
+              <a:r>
+                <a:rPr kumimoji="1" lang="en-US" altLang="zh-TW" sz="1400" i="1" baseline="-25000" dirty="0" smtClean="0">
+                  <a:latin typeface="Arial"/>
+                  <a:cs typeface="Arial"/>
+                </a:rPr>
+                <a:t>D</a:t>
+              </a:r>
+              <a:endParaRPr kumimoji="1" lang="zh-TW" altLang="en-US" sz="1400" i="1" baseline="-25000" dirty="0">
+                <a:latin typeface="Arial"/>
+                <a:cs typeface="Arial"/>
+              </a:endParaRPr>
+            </a:p>
+          </p:txBody>
+        </p:sp>
+        <p:sp>
+          <p:nvSpPr>
+            <p:cNvPr id="11" name="文字方塊 10"/>
+            <p:cNvSpPr txBox="1"/>
+            <p:nvPr/>
+          </p:nvSpPr>
+          <p:spPr>
+            <a:xfrm>
+              <a:off x="6042794" y="3847461"/>
+              <a:ext cx="582054" cy="400110"/>
+            </a:xfrm>
+            <a:prstGeom prst="rect">
+              <a:avLst/>
+            </a:prstGeom>
+            <a:noFill/>
+          </p:spPr>
+          <p:txBody>
+            <a:bodyPr wrap="square" rtlCol="0">
+              <a:spAutoFit/>
+            </a:bodyPr>
+            <a:lstStyle/>
+            <a:p>
+              <a:r>
+                <a:rPr kumimoji="1" lang="en-US" altLang="zh-TW" sz="2000" i="1" dirty="0" smtClean="0">
+                  <a:latin typeface="Arial"/>
+                  <a:cs typeface="Arial"/>
+                </a:rPr>
+                <a:t>H</a:t>
+              </a:r>
+              <a:r>
+                <a:rPr kumimoji="1" lang="en-US" altLang="zh-TW" sz="1400" i="1" baseline="-25000" dirty="0" smtClean="0">
+                  <a:latin typeface="Arial"/>
+                  <a:cs typeface="Arial"/>
+                </a:rPr>
+                <a:t>H</a:t>
+              </a:r>
+              <a:endParaRPr kumimoji="1" lang="zh-TW" altLang="en-US" sz="1400" i="1" baseline="-25000" dirty="0">
+                <a:latin typeface="Arial"/>
+                <a:cs typeface="Arial"/>
+              </a:endParaRPr>
+            </a:p>
+          </p:txBody>
+        </p:sp>
+        <p:sp>
+          <p:nvSpPr>
+            <p:cNvPr id="27" name="矩形 26"/>
+            <p:cNvSpPr/>
+            <p:nvPr/>
+          </p:nvSpPr>
+          <p:spPr>
+            <a:xfrm>
+              <a:off x="5259456" y="3797321"/>
+              <a:ext cx="2160000" cy="540000"/>
+            </a:xfrm>
+            <a:prstGeom prst="rect">
+              <a:avLst/>
+            </a:prstGeom>
+            <a:noFill/>
+            <a:ln>
+              <a:solidFill>
+                <a:schemeClr val="tx1"/>
+              </a:solidFill>
+            </a:ln>
+            <a:effectLst/>
+          </p:spPr>
+          <p:style>
+            <a:lnRef idx="1">
+              <a:schemeClr val="accent1"/>
+            </a:lnRef>
+            <a:fillRef idx="3">
+              <a:schemeClr val="accent1"/>
+            </a:fillRef>
+            <a:effectRef idx="2">
+              <a:schemeClr val="accent1"/>
+            </a:effectRef>
+            <a:fontRef idx="minor">
+              <a:schemeClr val="lt1"/>
+            </a:fontRef>
+          </p:style>
+          <p:txBody>
+            <a:bodyPr rtlCol="0" anchor="ctr"/>
+            <a:lstStyle/>
+            <a:p>
+              <a:pPr algn="ctr"/>
+              <a:endParaRPr kumimoji="1" lang="zh-TW" altLang="en-US" sz="2000" i="1"/>
+            </a:p>
+          </p:txBody>
+        </p:sp>
+      </p:grpSp>
+      <p:sp>
+        <p:nvSpPr>
+          <p:cNvPr id="28" name="文字方塊 27"/>
+          <p:cNvSpPr txBox="1"/>
+          <p:nvPr/>
+        </p:nvSpPr>
+        <p:spPr>
+          <a:xfrm>
+            <a:off x="2767393" y="4464906"/>
+            <a:ext cx="646331" cy="307777"/>
+          </a:xfrm>
+          <a:prstGeom prst="rect">
+            <a:avLst/>
+          </a:prstGeom>
+          <a:noFill/>
+        </p:spPr>
+        <p:txBody>
+          <a:bodyPr wrap="none" rtlCol="0">
+            <a:spAutoFit/>
+          </a:bodyPr>
+          <a:lstStyle/>
+          <a:p>
+            <a:r>
+              <a:rPr kumimoji="1" lang="en-US" altLang="zh-TW" sz="1400" dirty="0" smtClean="0">
+                <a:latin typeface="Arial"/>
+                <a:cs typeface="Arial"/>
+              </a:rPr>
+              <a:t>m </a:t>
+            </a:r>
+            <a:r>
+              <a:rPr kumimoji="1" lang="en-US" altLang="zh-TW" sz="1400" dirty="0" smtClean="0">
+                <a:latin typeface="+mn-ea"/>
+                <a:cs typeface="Arial"/>
+              </a:rPr>
+              <a:t>×</a:t>
+            </a:r>
+            <a:r>
+              <a:rPr kumimoji="1" lang="en-US" altLang="zh-TW" sz="1400" dirty="0" smtClean="0">
+                <a:latin typeface="Arial"/>
+                <a:cs typeface="Arial"/>
+              </a:rPr>
+              <a:t> r</a:t>
+            </a:r>
+            <a:r>
+              <a:rPr kumimoji="1" lang="en-US" altLang="zh-TW" sz="1000" baseline="-25000" dirty="0" smtClean="0">
+                <a:latin typeface="Arial"/>
+                <a:cs typeface="Arial"/>
+              </a:rPr>
+              <a:t>D</a:t>
+            </a:r>
+            <a:endParaRPr kumimoji="1" lang="zh-TW" altLang="en-US" sz="1000" baseline="-25000" dirty="0">
+              <a:latin typeface="Arial"/>
+              <a:cs typeface="Arial"/>
+            </a:endParaRPr>
+          </a:p>
+        </p:txBody>
+      </p:sp>
+      <p:sp>
+        <p:nvSpPr>
+          <p:cNvPr id="29" name="文字方塊 28"/>
+          <p:cNvSpPr txBox="1"/>
+          <p:nvPr/>
+        </p:nvSpPr>
+        <p:spPr>
+          <a:xfrm>
+            <a:off x="3322347" y="4464906"/>
+            <a:ext cx="646331" cy="307777"/>
+          </a:xfrm>
+          <a:prstGeom prst="rect">
+            <a:avLst/>
+          </a:prstGeom>
+          <a:noFill/>
+        </p:spPr>
+        <p:txBody>
+          <a:bodyPr wrap="none" rtlCol="0">
+            <a:spAutoFit/>
+          </a:bodyPr>
+          <a:lstStyle/>
+          <a:p>
+            <a:r>
+              <a:rPr kumimoji="1" lang="en-US" altLang="zh-TW" sz="1400" dirty="0" smtClean="0">
+                <a:latin typeface="Arial"/>
+                <a:cs typeface="Arial"/>
+              </a:rPr>
+              <a:t>m </a:t>
+            </a:r>
+            <a:r>
+              <a:rPr kumimoji="1" lang="en-US" altLang="zh-TW" sz="1400" dirty="0" smtClean="0">
+                <a:latin typeface="+mn-ea"/>
+                <a:cs typeface="Arial"/>
+              </a:rPr>
+              <a:t>×</a:t>
+            </a:r>
+            <a:r>
+              <a:rPr kumimoji="1" lang="en-US" altLang="zh-TW" sz="1400" dirty="0" smtClean="0">
+                <a:latin typeface="Arial"/>
+                <a:cs typeface="Arial"/>
+              </a:rPr>
+              <a:t> r</a:t>
+            </a:r>
+            <a:r>
+              <a:rPr kumimoji="1" lang="en-US" altLang="zh-TW" sz="1000" baseline="-25000" dirty="0">
+                <a:latin typeface="Arial"/>
+                <a:cs typeface="Arial"/>
+              </a:rPr>
+              <a:t>H</a:t>
+            </a:r>
+            <a:endParaRPr kumimoji="1" lang="zh-TW" altLang="en-US" sz="1000" baseline="-25000" dirty="0">
+              <a:latin typeface="Arial"/>
+              <a:cs typeface="Arial"/>
+            </a:endParaRPr>
+          </a:p>
+        </p:txBody>
+      </p:sp>
+      <p:sp>
+        <p:nvSpPr>
+          <p:cNvPr id="31" name="文字方塊 30"/>
+          <p:cNvSpPr txBox="1"/>
+          <p:nvPr/>
+        </p:nvSpPr>
+        <p:spPr>
+          <a:xfrm>
+            <a:off x="4592716" y="4462447"/>
+            <a:ext cx="493770" cy="307777"/>
+          </a:xfrm>
+          <a:prstGeom prst="rect">
+            <a:avLst/>
+          </a:prstGeom>
+          <a:noFill/>
+        </p:spPr>
+        <p:txBody>
+          <a:bodyPr wrap="none" rtlCol="0">
+            <a:spAutoFit/>
+          </a:bodyPr>
+          <a:lstStyle/>
+          <a:p>
+            <a:r>
+              <a:rPr kumimoji="1" lang="en-US" altLang="zh-TW" sz="1400" dirty="0">
+                <a:latin typeface="Arial"/>
+                <a:cs typeface="Arial"/>
+              </a:rPr>
+              <a:t>r</a:t>
+            </a:r>
+            <a:r>
+              <a:rPr kumimoji="1" lang="en-US" altLang="zh-TW" sz="1400" dirty="0" smtClean="0">
+                <a:latin typeface="Arial"/>
+                <a:cs typeface="Arial"/>
+              </a:rPr>
+              <a:t> </a:t>
+            </a:r>
+            <a:r>
+              <a:rPr kumimoji="1" lang="en-US" altLang="zh-TW" sz="1400" dirty="0" smtClean="0">
+                <a:latin typeface="+mj-ea"/>
+                <a:ea typeface="+mj-ea"/>
+                <a:cs typeface="Arial"/>
+              </a:rPr>
+              <a:t>×</a:t>
+            </a:r>
+            <a:r>
+              <a:rPr kumimoji="1" lang="en-US" altLang="zh-TW" sz="1400" dirty="0" smtClean="0">
+                <a:latin typeface="Arial"/>
+                <a:cs typeface="Arial"/>
+              </a:rPr>
+              <a:t> r</a:t>
+            </a:r>
+            <a:endParaRPr kumimoji="1" lang="zh-TW" altLang="en-US" sz="1400" baseline="-25000" dirty="0">
+              <a:latin typeface="Arial"/>
+              <a:cs typeface="Arial"/>
+            </a:endParaRPr>
+          </a:p>
+        </p:txBody>
+      </p:sp>
+      <p:sp>
+        <p:nvSpPr>
+          <p:cNvPr id="32" name="文字方塊 31"/>
+          <p:cNvSpPr txBox="1"/>
+          <p:nvPr/>
+        </p:nvSpPr>
+        <p:spPr>
+          <a:xfrm>
+            <a:off x="6508430" y="4292439"/>
+            <a:ext cx="595573" cy="307777"/>
+          </a:xfrm>
+          <a:prstGeom prst="rect">
+            <a:avLst/>
+          </a:prstGeom>
+          <a:noFill/>
+        </p:spPr>
+        <p:txBody>
+          <a:bodyPr wrap="none" rtlCol="0">
+            <a:spAutoFit/>
+          </a:bodyPr>
+          <a:lstStyle/>
+          <a:p>
+            <a:r>
+              <a:rPr kumimoji="1" lang="en-US" altLang="zh-TW" sz="1400" dirty="0" smtClean="0">
+                <a:latin typeface="Arial"/>
+                <a:cs typeface="Arial"/>
+              </a:rPr>
+              <a:t>r</a:t>
+            </a:r>
+            <a:r>
+              <a:rPr kumimoji="1" lang="en-US" altLang="zh-TW" sz="1000" baseline="-25000" dirty="0">
+                <a:latin typeface="Arial"/>
+                <a:cs typeface="Arial"/>
+              </a:rPr>
+              <a:t>D</a:t>
+            </a:r>
+            <a:r>
+              <a:rPr kumimoji="1" lang="en-US" altLang="zh-TW" sz="1400" dirty="0" smtClean="0">
+                <a:latin typeface="Arial"/>
+                <a:cs typeface="Arial"/>
+              </a:rPr>
+              <a:t> </a:t>
+            </a:r>
+            <a:r>
+              <a:rPr kumimoji="1" lang="en-US" altLang="zh-TW" sz="1400" dirty="0" smtClean="0">
+                <a:latin typeface="+mj-ea"/>
+                <a:ea typeface="+mj-ea"/>
+                <a:cs typeface="Arial"/>
+              </a:rPr>
+              <a:t>×</a:t>
+            </a:r>
+            <a:r>
+              <a:rPr kumimoji="1" lang="en-US" altLang="zh-TW" sz="1400" dirty="0" smtClean="0">
+                <a:latin typeface="Arial"/>
+                <a:cs typeface="Arial"/>
+              </a:rPr>
+              <a:t> n</a:t>
+            </a:r>
+            <a:endParaRPr kumimoji="1" lang="zh-TW" altLang="en-US" sz="1400" baseline="-25000" dirty="0">
+              <a:latin typeface="Arial"/>
+              <a:cs typeface="Arial"/>
+            </a:endParaRPr>
+          </a:p>
+        </p:txBody>
+      </p:sp>
+      <p:sp>
+        <p:nvSpPr>
+          <p:cNvPr id="33" name="文字方塊 32"/>
+          <p:cNvSpPr txBox="1"/>
+          <p:nvPr/>
+        </p:nvSpPr>
+        <p:spPr>
+          <a:xfrm>
+            <a:off x="6508430" y="4473941"/>
+            <a:ext cx="595573" cy="307777"/>
+          </a:xfrm>
+          <a:prstGeom prst="rect">
+            <a:avLst/>
+          </a:prstGeom>
+          <a:noFill/>
+        </p:spPr>
+        <p:txBody>
+          <a:bodyPr wrap="none" rtlCol="0">
+            <a:spAutoFit/>
+          </a:bodyPr>
+          <a:lstStyle/>
+          <a:p>
+            <a:r>
+              <a:rPr kumimoji="1" lang="en-US" altLang="zh-TW" sz="1400" dirty="0" smtClean="0">
+                <a:latin typeface="Arial"/>
+                <a:cs typeface="Arial"/>
+              </a:rPr>
+              <a:t>r</a:t>
+            </a:r>
+            <a:r>
+              <a:rPr kumimoji="1" lang="en-US" altLang="zh-TW" sz="1000" baseline="-25000" dirty="0" smtClean="0">
+                <a:latin typeface="Arial"/>
+                <a:cs typeface="Arial"/>
+              </a:rPr>
+              <a:t>H</a:t>
+            </a:r>
+            <a:r>
+              <a:rPr kumimoji="1" lang="en-US" altLang="zh-TW" sz="1400" dirty="0" smtClean="0">
+                <a:latin typeface="Arial"/>
+                <a:cs typeface="Arial"/>
+              </a:rPr>
+              <a:t> </a:t>
+            </a:r>
+            <a:r>
+              <a:rPr kumimoji="1" lang="en-US" altLang="zh-TW" sz="1400" dirty="0">
+                <a:latin typeface="+mj-ea"/>
+                <a:ea typeface="+mj-ea"/>
+                <a:cs typeface="Arial"/>
+              </a:rPr>
+              <a:t>×</a:t>
+            </a:r>
+            <a:r>
+              <a:rPr kumimoji="1" lang="en-US" altLang="zh-TW" sz="1400" dirty="0">
+                <a:latin typeface="Arial"/>
+                <a:cs typeface="Arial"/>
+              </a:rPr>
+              <a:t> n</a:t>
+            </a:r>
+            <a:endParaRPr kumimoji="1" lang="zh-TW" altLang="en-US" sz="1400" baseline="-25000" dirty="0">
+              <a:latin typeface="Arial"/>
+              <a:cs typeface="Arial"/>
+            </a:endParaRPr>
+          </a:p>
+        </p:txBody>
+      </p:sp>
     </p:spTree>
     <p:extLst>
       <p:ext uri="{BB962C8B-B14F-4D97-AF65-F5344CB8AC3E}">

--- a/cw ismir2015/cw_ismir2015_plots.pptx
+++ b/cw ismir2015/cw_ismir2015_plots.pptx
@@ -295,7 +295,7 @@
           <a:p>
             <a:fld id="{8A0EEBEE-491D-0547-AD30-3CFBCD2A91CE}" type="datetimeFigureOut">
               <a:rPr kumimoji="1" lang="zh-TW" altLang="en-US" smtClean="0"/>
-              <a:t>4/22/15</a:t>
+              <a:t>7/9/15</a:t>
             </a:fld>
             <a:endParaRPr kumimoji="1" lang="zh-TW" altLang="en-US"/>
           </a:p>
@@ -465,7 +465,7 @@
           <a:p>
             <a:fld id="{8A0EEBEE-491D-0547-AD30-3CFBCD2A91CE}" type="datetimeFigureOut">
               <a:rPr kumimoji="1" lang="zh-TW" altLang="en-US" smtClean="0"/>
-              <a:t>4/22/15</a:t>
+              <a:t>7/9/15</a:t>
             </a:fld>
             <a:endParaRPr kumimoji="1" lang="zh-TW" altLang="en-US"/>
           </a:p>
@@ -645,7 +645,7 @@
           <a:p>
             <a:fld id="{8A0EEBEE-491D-0547-AD30-3CFBCD2A91CE}" type="datetimeFigureOut">
               <a:rPr kumimoji="1" lang="zh-TW" altLang="en-US" smtClean="0"/>
-              <a:t>4/22/15</a:t>
+              <a:t>7/9/15</a:t>
             </a:fld>
             <a:endParaRPr kumimoji="1" lang="zh-TW" altLang="en-US"/>
           </a:p>
@@ -815,7 +815,7 @@
           <a:p>
             <a:fld id="{8A0EEBEE-491D-0547-AD30-3CFBCD2A91CE}" type="datetimeFigureOut">
               <a:rPr kumimoji="1" lang="zh-TW" altLang="en-US" smtClean="0"/>
-              <a:t>4/22/15</a:t>
+              <a:t>7/9/15</a:t>
             </a:fld>
             <a:endParaRPr kumimoji="1" lang="zh-TW" altLang="en-US"/>
           </a:p>
@@ -1061,7 +1061,7 @@
           <a:p>
             <a:fld id="{8A0EEBEE-491D-0547-AD30-3CFBCD2A91CE}" type="datetimeFigureOut">
               <a:rPr kumimoji="1" lang="zh-TW" altLang="en-US" smtClean="0"/>
-              <a:t>4/22/15</a:t>
+              <a:t>7/9/15</a:t>
             </a:fld>
             <a:endParaRPr kumimoji="1" lang="zh-TW" altLang="en-US"/>
           </a:p>
@@ -1349,7 +1349,7 @@
           <a:p>
             <a:fld id="{8A0EEBEE-491D-0547-AD30-3CFBCD2A91CE}" type="datetimeFigureOut">
               <a:rPr kumimoji="1" lang="zh-TW" altLang="en-US" smtClean="0"/>
-              <a:t>4/22/15</a:t>
+              <a:t>7/9/15</a:t>
             </a:fld>
             <a:endParaRPr kumimoji="1" lang="zh-TW" altLang="en-US"/>
           </a:p>
@@ -1771,7 +1771,7 @@
           <a:p>
             <a:fld id="{8A0EEBEE-491D-0547-AD30-3CFBCD2A91CE}" type="datetimeFigureOut">
               <a:rPr kumimoji="1" lang="zh-TW" altLang="en-US" smtClean="0"/>
-              <a:t>4/22/15</a:t>
+              <a:t>7/9/15</a:t>
             </a:fld>
             <a:endParaRPr kumimoji="1" lang="zh-TW" altLang="en-US"/>
           </a:p>
@@ -1889,7 +1889,7 @@
           <a:p>
             <a:fld id="{8A0EEBEE-491D-0547-AD30-3CFBCD2A91CE}" type="datetimeFigureOut">
               <a:rPr kumimoji="1" lang="zh-TW" altLang="en-US" smtClean="0"/>
-              <a:t>4/22/15</a:t>
+              <a:t>7/9/15</a:t>
             </a:fld>
             <a:endParaRPr kumimoji="1" lang="zh-TW" altLang="en-US"/>
           </a:p>
@@ -1984,7 +1984,7 @@
           <a:p>
             <a:fld id="{8A0EEBEE-491D-0547-AD30-3CFBCD2A91CE}" type="datetimeFigureOut">
               <a:rPr kumimoji="1" lang="zh-TW" altLang="en-US" smtClean="0"/>
-              <a:t>4/22/15</a:t>
+              <a:t>7/9/15</a:t>
             </a:fld>
             <a:endParaRPr kumimoji="1" lang="zh-TW" altLang="en-US"/>
           </a:p>
@@ -2261,7 +2261,7 @@
           <a:p>
             <a:fld id="{8A0EEBEE-491D-0547-AD30-3CFBCD2A91CE}" type="datetimeFigureOut">
               <a:rPr kumimoji="1" lang="zh-TW" altLang="en-US" smtClean="0"/>
-              <a:t>4/22/15</a:t>
+              <a:t>7/9/15</a:t>
             </a:fld>
             <a:endParaRPr kumimoji="1" lang="zh-TW" altLang="en-US"/>
           </a:p>
@@ -2514,7 +2514,7 @@
           <a:p>
             <a:fld id="{8A0EEBEE-491D-0547-AD30-3CFBCD2A91CE}" type="datetimeFigureOut">
               <a:rPr kumimoji="1" lang="zh-TW" altLang="en-US" smtClean="0"/>
-              <a:t>4/22/15</a:t>
+              <a:t>7/9/15</a:t>
             </a:fld>
             <a:endParaRPr kumimoji="1" lang="zh-TW" altLang="en-US"/>
           </a:p>
@@ -2727,7 +2727,7 @@
           <a:p>
             <a:fld id="{8A0EEBEE-491D-0547-AD30-3CFBCD2A91CE}" type="datetimeFigureOut">
               <a:rPr kumimoji="1" lang="zh-TW" altLang="en-US" smtClean="0"/>
-              <a:t>4/22/15</a:t>
+              <a:t>7/9/15</a:t>
             </a:fld>
             <a:endParaRPr kumimoji="1" lang="zh-TW" altLang="en-US"/>
           </a:p>
@@ -6394,8 +6394,8 @@
         </p:nvSpPr>
         <p:spPr>
           <a:xfrm>
-            <a:off x="251817" y="3038194"/>
-            <a:ext cx="2160000" cy="1440000"/>
+            <a:off x="251817" y="3080529"/>
+            <a:ext cx="2160000" cy="1181804"/>
           </a:xfrm>
           <a:prstGeom prst="rect">
             <a:avLst/>
@@ -6439,7 +6439,7 @@
         </p:nvSpPr>
         <p:spPr>
           <a:xfrm>
-            <a:off x="1083896" y="3569693"/>
+            <a:off x="1083896" y="3468089"/>
             <a:ext cx="427046" cy="400110"/>
           </a:xfrm>
           <a:prstGeom prst="rect">
@@ -6475,7 +6475,7 @@
         </p:nvSpPr>
         <p:spPr>
           <a:xfrm>
-            <a:off x="2462152" y="3556662"/>
+            <a:off x="2462152" y="3446591"/>
             <a:ext cx="473596" cy="400110"/>
           </a:xfrm>
           <a:prstGeom prst="rect">
@@ -6505,7 +6505,7 @@
         </p:nvSpPr>
         <p:spPr>
           <a:xfrm>
-            <a:off x="2827589" y="3556662"/>
+            <a:off x="2827589" y="3480459"/>
             <a:ext cx="556996" cy="400110"/>
           </a:xfrm>
           <a:prstGeom prst="rect">
@@ -6548,8 +6548,8 @@
         </p:nvSpPr>
         <p:spPr>
           <a:xfrm rot="5400000">
-            <a:off x="2376544" y="3480661"/>
-            <a:ext cx="1440000" cy="540000"/>
+            <a:off x="2505642" y="3402365"/>
+            <a:ext cx="1181804" cy="540000"/>
           </a:xfrm>
           <a:prstGeom prst="rect">
             <a:avLst/>
@@ -6594,7 +6594,7 @@
         <p:spPr>
           <a:xfrm>
             <a:off x="4302605" y="3226165"/>
-            <a:ext cx="1080000" cy="1080000"/>
+            <a:ext cx="1080000" cy="886353"/>
           </a:xfrm>
           <a:prstGeom prst="rect">
             <a:avLst/>
@@ -6638,7 +6638,7 @@
         </p:nvSpPr>
         <p:spPr>
           <a:xfrm>
-            <a:off x="4651985" y="3551110"/>
+            <a:off x="4651985" y="3449506"/>
             <a:ext cx="309481" cy="400110"/>
           </a:xfrm>
           <a:prstGeom prst="rect">
@@ -6674,7 +6674,7 @@
         </p:nvSpPr>
         <p:spPr>
           <a:xfrm>
-            <a:off x="3367590" y="3564195"/>
+            <a:off x="3367590" y="3479525"/>
             <a:ext cx="556996" cy="400110"/>
           </a:xfrm>
           <a:prstGeom prst="rect">
@@ -6717,8 +6717,8 @@
         </p:nvSpPr>
         <p:spPr>
           <a:xfrm rot="5400000">
-            <a:off x="2918328" y="3479727"/>
-            <a:ext cx="1440000" cy="540000"/>
+            <a:off x="3047426" y="3401431"/>
+            <a:ext cx="1181804" cy="540000"/>
           </a:xfrm>
           <a:prstGeom prst="rect">
             <a:avLst/>
@@ -6762,7 +6762,7 @@
         </p:nvSpPr>
         <p:spPr>
           <a:xfrm>
-            <a:off x="956731" y="4464906"/>
+            <a:off x="956731" y="4261698"/>
             <a:ext cx="638679" cy="307777"/>
           </a:xfrm>
           <a:prstGeom prst="rect">
@@ -6798,7 +6798,7 @@
         </p:nvSpPr>
         <p:spPr>
           <a:xfrm>
-            <a:off x="3968431" y="3612276"/>
+            <a:off x="3968431" y="3502205"/>
             <a:ext cx="266807" cy="307777"/>
           </a:xfrm>
           <a:prstGeom prst="rect">
@@ -6836,7 +6836,7 @@
         </p:nvSpPr>
         <p:spPr>
           <a:xfrm>
-            <a:off x="5448272" y="3620819"/>
+            <a:off x="5448272" y="3510748"/>
             <a:ext cx="266807" cy="307777"/>
           </a:xfrm>
           <a:prstGeom prst="rect">
@@ -6874,8 +6874,8 @@
         </p:nvGrpSpPr>
         <p:grpSpPr>
           <a:xfrm>
-            <a:off x="5789122" y="3226165"/>
-            <a:ext cx="2160000" cy="1083583"/>
+            <a:off x="5789122" y="3226166"/>
+            <a:ext cx="2160000" cy="889294"/>
             <a:chOff x="5259456" y="3253738"/>
             <a:chExt cx="2160000" cy="1083583"/>
           </a:xfrm>
@@ -6933,7 +6933,7 @@
           </p:nvSpPr>
           <p:spPr>
             <a:xfrm>
-              <a:off x="6042794" y="3306390"/>
+              <a:off x="6085129" y="3306390"/>
               <a:ext cx="518609" cy="400110"/>
             </a:xfrm>
             <a:prstGeom prst="rect">
@@ -6976,7 +6976,7 @@
           </p:nvSpPr>
           <p:spPr>
             <a:xfrm>
-              <a:off x="6042794" y="3847461"/>
+              <a:off x="6068195" y="3847461"/>
               <a:ext cx="582054" cy="400110"/>
             </a:xfrm>
             <a:prstGeom prst="rect">
@@ -7065,7 +7065,7 @@
         </p:nvSpPr>
         <p:spPr>
           <a:xfrm>
-            <a:off x="2767393" y="4464906"/>
+            <a:off x="2767393" y="4261698"/>
             <a:ext cx="646331" cy="307777"/>
           </a:xfrm>
           <a:prstGeom prst="rect">
@@ -7122,7 +7122,7 @@
         </p:nvSpPr>
         <p:spPr>
           <a:xfrm>
-            <a:off x="3322347" y="4464906"/>
+            <a:off x="3322347" y="4261698"/>
             <a:ext cx="646331" cy="307777"/>
           </a:xfrm>
           <a:prstGeom prst="rect">
@@ -7179,7 +7179,7 @@
         </p:nvSpPr>
         <p:spPr>
           <a:xfrm>
-            <a:off x="4592716" y="4462447"/>
+            <a:off x="4592716" y="4259239"/>
             <a:ext cx="493770" cy="307777"/>
           </a:xfrm>
           <a:prstGeom prst="rect">
@@ -7237,7 +7237,7 @@
         </p:nvSpPr>
         <p:spPr>
           <a:xfrm>
-            <a:off x="6508430" y="4292439"/>
+            <a:off x="6516897" y="4089231"/>
             <a:ext cx="595573" cy="307777"/>
           </a:xfrm>
           <a:prstGeom prst="rect">
@@ -7302,7 +7302,7 @@
         </p:nvSpPr>
         <p:spPr>
           <a:xfrm>
-            <a:off x="6508430" y="4473941"/>
+            <a:off x="6516897" y="4270733"/>
             <a:ext cx="595573" cy="307777"/>
           </a:xfrm>
           <a:prstGeom prst="rect">
